--- a/Reports/final2.pptx
+++ b/Reports/final2.pptx
@@ -4232,6 +4232,10 @@
           </p:nvPr>
         </p:nvSpPr>
         <p:spPr>
+          <a:xfrm>
+            <a:off x="838200" y="375758"/>
+            <a:ext cx="10515600" cy="1325563"/>
+          </a:xfrm>
           <a:prstGeom prst="rect">
             <a:avLst/>
           </a:prstGeom>
@@ -4284,7 +4288,14 @@
               </a:defRPr>
             </a:pPr>
             <a:r>
-              <a:t>Used Mat plot lib for visualizing!</a:t>
+              <a:t>Used Ma</a:t>
+            </a:r>
+            <a:r>
+              <a:rPr lang="en-US"/>
+              <a:t>t</a:t>
+            </a:r>
+            <a:r>
+              <a:t>plotlib for visualizing!</a:t>
             </a:r>
           </a:p>
           <a:p>
@@ -4703,33 +4714,6 @@
           </a:ln>
         </p:spPr>
       </p:pic>
-      <p:pic>
-        <p:nvPicPr>
-          <p:cNvPr id="186" name="図 5" descr="図 5"/>
-          <p:cNvPicPr>
-            <a:picLocks noChangeAspect="1"/>
-          </p:cNvPicPr>
-          <p:nvPr/>
-        </p:nvPicPr>
-        <p:blipFill>
-          <a:blip r:embed="rId3"/>
-          <a:stretch>
-            <a:fillRect/>
-          </a:stretch>
-        </p:blipFill>
-        <p:spPr>
-          <a:xfrm>
-            <a:off x="731873" y="5241738"/>
-            <a:ext cx="9956801" cy="1460502"/>
-          </a:xfrm>
-          <a:prstGeom prst="rect">
-            <a:avLst/>
-          </a:prstGeom>
-          <a:ln w="12700">
-            <a:miter lim="400000"/>
-          </a:ln>
-        </p:spPr>
-      </p:pic>
       <p:sp>
         <p:nvSpPr>
           <p:cNvPr id="187" name="テキスト ボックス 6"/>
@@ -4800,7 +4784,14 @@
               </a:defRPr>
             </a:pPr>
             <a:r>
-              <a:t>LOC is 1.58</a:t>
+              <a:t>LOC is </a:t>
+            </a:r>
+            <a:r>
+              <a:rPr lang="en-US" altLang="ja-JP"/>
+              <a:t>4</a:t>
+            </a:r>
+            <a:r>
+              <a:t>.5</a:t>
             </a:r>
           </a:p>
           <a:p>
@@ -4859,8 +4850,20 @@
               </a:defRPr>
             </a:pPr>
             <a:r>
-              <a:t>LOC is 25.73</a:t>
-            </a:r>
+              <a:t>LOC is 2</a:t>
+            </a:r>
+            <a:r>
+              <a:rPr lang="en-US" altLang="ja-JP"/>
+              <a:t>4</a:t>
+            </a:r>
+            <a:r>
+              <a:t>.</a:t>
+            </a:r>
+            <a:r>
+              <a:rPr lang="en-US" altLang="ja-JP"/>
+              <a:t>5</a:t>
+            </a:r>
+            <a:endParaRPr/>
           </a:p>
         </p:txBody>
       </p:sp>
@@ -4899,6 +4902,42 @@
           </a:p>
         </p:txBody>
       </p:sp>
+      <p:pic>
+        <p:nvPicPr>
+          <p:cNvPr id="3" name="図 2">
+            <a:extLst>
+              <a:ext uri="{FF2B5EF4-FFF2-40B4-BE49-F238E27FC236}">
+                <a16:creationId xmlns:a16="http://schemas.microsoft.com/office/drawing/2014/main" id="{9FAD585F-1C1B-BC4E-908E-13F73BC795AC}"/>
+              </a:ext>
+            </a:extLst>
+          </p:cNvPr>
+          <p:cNvPicPr>
+            <a:picLocks noChangeAspect="1"/>
+          </p:cNvPicPr>
+          <p:nvPr/>
+        </p:nvPicPr>
+        <p:blipFill>
+          <a:blip r:embed="rId3">
+            <a:extLst>
+              <a:ext uri="{28A0092B-C50C-407E-A947-70E740481C1C}">
+                <a14:useLocalDpi xmlns:a14="http://schemas.microsoft.com/office/drawing/2010/main" val="0"/>
+              </a:ext>
+            </a:extLst>
+          </a:blip>
+          <a:stretch>
+            <a:fillRect/>
+          </a:stretch>
+        </p:blipFill>
+        <p:spPr>
+          <a:xfrm>
+            <a:off x="838200" y="5229207"/>
+            <a:ext cx="9867900" cy="1295400"/>
+          </a:xfrm>
+          <a:prstGeom prst="rect">
+            <a:avLst/>
+          </a:prstGeom>
+        </p:spPr>
+      </p:pic>
     </p:spTree>
   </p:cSld>
   <p:clrMapOvr>
@@ -5925,7 +5964,9 @@
           </a:prstGeom>
         </p:spPr>
         <p:txBody>
-          <a:bodyPr/>
+          <a:bodyPr>
+            <a:normAutofit lnSpcReduction="10000"/>
+          </a:bodyPr>
           <a:lstStyle/>
           <a:p>
             <a:pPr marL="514350" indent="-514350">
@@ -5958,7 +5999,18 @@
               <a:buAutoNum type="arabicPeriod"/>
             </a:pPr>
             <a:r>
-              <a:t>Append intersection to intersections list(sorted) and sort</a:t>
+              <a:t>Append intersection to intersections list</a:t>
+            </a:r>
+            <a:endParaRPr lang="en-US" altLang="ja-JP"/>
+          </a:p>
+          <a:p>
+            <a:pPr marL="514350" indent="-514350">
+              <a:buFontTx/>
+              <a:buAutoNum type="arabicPeriod"/>
+            </a:pPr>
+            <a:r>
+              <a:rPr lang="en-US"/>
+              <a:t>Sort Intersection</a:t>
             </a:r>
           </a:p>
           <a:p>
@@ -6138,7 +6190,14 @@
               <a:buAutoNum type="arabicPeriod"/>
             </a:pPr>
             <a:r>
-              <a:t>if start is fin      ➜ Go 4                 elif start in vias ➜ Fin            else                   ➜ Back 1</a:t>
+              <a:t>if start is fin      ➜ Go 4                 elif start in vias ➜ Fin            </a:t>
+            </a:r>
+            <a:r>
+              <a:rPr lang="en-US" altLang="ja-JP"/>
+              <a:t> </a:t>
+            </a:r>
+            <a:r>
+              <a:t>else                   ➜ Back 1</a:t>
             </a:r>
           </a:p>
           <a:p>

--- a/Reports/final2.pptx
+++ b/Reports/final2.pptx
@@ -327,6 +327,11 @@
       </a:defRPr>
     </a:lvl9pPr>
   </p:defaultTextStyle>
+  <p:extLst>
+    <p:ext uri="{EFAFB233-063F-42B5-8137-9DF3F51BA10A}">
+      <p15:sldGuideLst xmlns:p15="http://schemas.microsoft.com/office/powerpoint/2012/main"/>
+    </p:ext>
+  </p:extLst>
 </p:presentation>
 </file>
 
@@ -3384,8 +3389,8 @@
           </a:p>
         </p:txBody>
       </p:sp>
-      <mc:AlternateContent xmlns:mc="http://schemas.openxmlformats.org/markup-compatibility/2006">
-        <mc:Choice xmlns:a14="http://schemas.microsoft.com/office/drawing/2010/main" Requires="a14">
+      <mc:AlternateContent xmlns:mc="http://schemas.openxmlformats.org/markup-compatibility/2006" xmlns:a14="http://schemas.microsoft.com/office/drawing/2010/main">
+        <mc:Choice Requires="a14">
           <p:graphicFrame>
             <p:nvGraphicFramePr>
               <p:cNvPr id="6" name="コンテンツ プレースホルダー 3">
@@ -3401,7 +3406,7 @@
               <p:nvPr>
                 <p:extLst>
                   <p:ext uri="{D42A27DB-BD31-4B8C-83A1-F6EECF244321}">
-                    <p14:modId xmlns:p14="http://schemas.microsoft.com/office/powerpoint/2010/main" val="694416655"/>
+                    <p14:modId xmlns:p14="http://schemas.microsoft.com/office/powerpoint/2010/main" val="3796039077"/>
                   </p:ext>
                 </p:extLst>
               </p:nvPr>
@@ -3505,6 +3510,18 @@
                                       <a:rPr kumimoji="1" lang="en-US" altLang="ja-JP" sz="2400" b="0" i="1">
                                         <a:latin typeface="Cambria Math" panose="02040503050406030204" pitchFamily="18" charset="0"/>
                                       </a:rPr>
+                                      <m:t>𝑂</m:t>
+                                    </m:r>
+                                    <m:r>
+                                      <a:rPr kumimoji="1" lang="en-US" altLang="ja-JP" sz="2400" b="0" i="1">
+                                        <a:latin typeface="Cambria Math" panose="02040503050406030204" pitchFamily="18" charset="0"/>
+                                      </a:rPr>
+                                      <m:t>(</m:t>
+                                    </m:r>
+                                    <m:r>
+                                      <a:rPr kumimoji="1" lang="en-US" altLang="ja-JP" sz="2400" b="0" i="1">
+                                        <a:latin typeface="Cambria Math" panose="02040503050406030204" pitchFamily="18" charset="0"/>
+                                      </a:rPr>
                                       <m:t>𝑁</m:t>
                                     </m:r>
                                   </m:e>
@@ -3517,6 +3534,12 @@
                                     </m:r>
                                   </m:sup>
                                 </m:sSup>
+                                <m:r>
+                                  <a:rPr kumimoji="1" lang="en-US" altLang="ja-JP" sz="2400" b="0" i="1">
+                                    <a:latin typeface="Cambria Math" panose="02040503050406030204" pitchFamily="18" charset="0"/>
+                                  </a:rPr>
+                                  <m:t>)</m:t>
+                                </m:r>
                               </m:oMath>
                             </m:oMathPara>
                           </a14:m>
@@ -3588,6 +3611,18 @@
                                       <a:rPr kumimoji="1" lang="en-US" altLang="ja-JP" sz="2400" b="0" i="1">
                                         <a:latin typeface="Cambria Math" panose="02040503050406030204" pitchFamily="18" charset="0"/>
                                       </a:rPr>
+                                      <m:t>𝑂</m:t>
+                                    </m:r>
+                                    <m:r>
+                                      <a:rPr kumimoji="1" lang="en-US" altLang="ja-JP" sz="2400" b="0" i="1">
+                                        <a:latin typeface="Cambria Math" panose="02040503050406030204" pitchFamily="18" charset="0"/>
+                                      </a:rPr>
+                                      <m:t>(</m:t>
+                                    </m:r>
+                                    <m:r>
+                                      <a:rPr kumimoji="1" lang="en-US" altLang="ja-JP" sz="2400" b="0" i="1">
+                                        <a:latin typeface="Cambria Math" panose="02040503050406030204" pitchFamily="18" charset="0"/>
+                                      </a:rPr>
                                       <m:t>𝑁</m:t>
                                     </m:r>
                                   </m:e>
@@ -3613,6 +3648,13 @@
                                     <a:ea typeface="Cambria Math" panose="02040503050406030204" pitchFamily="18" charset="0"/>
                                   </a:rPr>
                                   <m:t>𝑙𝑜𝑔𝑁</m:t>
+                                </m:r>
+                                <m:r>
+                                  <a:rPr kumimoji="1" lang="en-US" altLang="ja-JP" sz="2400" b="0" i="1">
+                                    <a:latin typeface="Cambria Math" panose="02040503050406030204" pitchFamily="18" charset="0"/>
+                                    <a:ea typeface="Cambria Math" panose="02040503050406030204" pitchFamily="18" charset="0"/>
+                                  </a:rPr>
+                                  <m:t>)</m:t>
                                 </m:r>
                               </m:oMath>
                             </m:oMathPara>
@@ -3667,42 +3709,51 @@
                         <a:bodyPr/>
                         <a:lstStyle/>
                         <a:p>
-                          <a:pPr/>
                           <a14:m>
-                            <m:oMathPara xmlns:m="http://schemas.openxmlformats.org/officeDocument/2006/math">
-                              <m:oMathParaPr>
-                                <m:jc m:val="centerGroup"/>
-                              </m:oMathParaPr>
-                              <m:oMath xmlns:m="http://schemas.openxmlformats.org/officeDocument/2006/math">
-                                <m:sSup>
-                                  <m:sSupPr>
-                                    <m:ctrlPr>
-                                      <a:rPr kumimoji="1" lang="en-US" altLang="ja-JP" sz="2400" b="0" i="1">
-                                        <a:latin typeface="Cambria Math" panose="02040503050406030204" pitchFamily="18" charset="0"/>
-                                      </a:rPr>
-                                    </m:ctrlPr>
-                                  </m:sSupPr>
-                                  <m:e>
-                                    <m:r>
-                                      <a:rPr kumimoji="1" lang="en-US" altLang="ja-JP" sz="2400" b="0" i="1">
-                                        <a:latin typeface="Cambria Math" panose="02040503050406030204" pitchFamily="18" charset="0"/>
-                                      </a:rPr>
-                                      <m:t>𝑁</m:t>
-                                    </m:r>
-                                  </m:e>
-                                  <m:sup>
-                                    <m:r>
-                                      <a:rPr kumimoji="1" lang="en-US" altLang="ja-JP" sz="2400" b="0" i="1">
-                                        <a:latin typeface="Cambria Math" panose="02040503050406030204" pitchFamily="18" charset="0"/>
-                                      </a:rPr>
-                                      <m:t>2</m:t>
-                                    </m:r>
-                                  </m:sup>
-                                </m:sSup>
-                              </m:oMath>
-                            </m:oMathPara>
+                            <m:oMath xmlns:m="http://schemas.openxmlformats.org/officeDocument/2006/math">
+                              <m:sSup>
+                                <m:sSupPr>
+                                  <m:ctrlPr>
+                                    <a:rPr kumimoji="1" lang="en-US" altLang="ja-JP" sz="2400" b="0" i="1">
+                                      <a:latin typeface="Cambria Math" panose="02040503050406030204" pitchFamily="18" charset="0"/>
+                                    </a:rPr>
+                                  </m:ctrlPr>
+                                </m:sSupPr>
+                                <m:e>
+                                  <m:r>
+                                    <a:rPr kumimoji="1" lang="en-US" altLang="ja-JP" sz="2400" b="0" i="1">
+                                      <a:latin typeface="Cambria Math" panose="02040503050406030204" pitchFamily="18" charset="0"/>
+                                    </a:rPr>
+                                    <m:t>𝑂</m:t>
+                                  </m:r>
+                                  <m:r>
+                                    <a:rPr kumimoji="1" lang="en-US" altLang="ja-JP" sz="2400" b="0" i="1">
+                                      <a:latin typeface="Cambria Math" panose="02040503050406030204" pitchFamily="18" charset="0"/>
+                                    </a:rPr>
+                                    <m:t>(</m:t>
+                                  </m:r>
+                                  <m:r>
+                                    <a:rPr kumimoji="1" lang="en-US" altLang="ja-JP" sz="2400" b="0" i="1">
+                                      <a:latin typeface="Cambria Math" panose="02040503050406030204" pitchFamily="18" charset="0"/>
+                                    </a:rPr>
+                                    <m:t>𝑁</m:t>
+                                  </m:r>
+                                </m:e>
+                                <m:sup>
+                                  <m:r>
+                                    <a:rPr kumimoji="1" lang="en-US" altLang="ja-JP" sz="2400" b="0" i="1">
+                                      <a:latin typeface="Cambria Math" panose="02040503050406030204" pitchFamily="18" charset="0"/>
+                                    </a:rPr>
+                                    <m:t>2</m:t>
+                                  </m:r>
+                                </m:sup>
+                              </m:sSup>
+                            </m:oMath>
                           </a14:m>
-                          <a:endParaRPr kumimoji="1" lang="en-US" altLang="ja-JP" sz="2400" b="0"/>
+                          <a:r>
+                            <a:rPr kumimoji="1" lang="en-US" altLang="ja-JP" sz="2400" b="0"/>
+                            <a:t>)</a:t>
+                          </a:r>
                         </a:p>
                       </a:txBody>
                       <a:tcPr anchor="ctr" anchorCtr="1"/>
@@ -3779,6 +3830,18 @@
                                   <a:rPr kumimoji="1" lang="en-US" altLang="ja-JP" sz="2400" b="0" i="1">
                                     <a:latin typeface="Cambria Math" panose="02040503050406030204" pitchFamily="18" charset="0"/>
                                   </a:rPr>
+                                  <m:t>𝑂</m:t>
+                                </m:r>
+                                <m:r>
+                                  <a:rPr kumimoji="1" lang="en-US" altLang="ja-JP" sz="2400" b="0" i="1">
+                                    <a:latin typeface="Cambria Math" panose="02040503050406030204" pitchFamily="18" charset="0"/>
+                                  </a:rPr>
+                                  <m:t>(</m:t>
+                                </m:r>
+                                <m:r>
+                                  <a:rPr kumimoji="1" lang="en-US" altLang="ja-JP" sz="2400" b="0" i="1">
+                                    <a:latin typeface="Cambria Math" panose="02040503050406030204" pitchFamily="18" charset="0"/>
+                                  </a:rPr>
                                   <m:t>𝑁</m:t>
                                 </m:r>
                                 <m:r>
@@ -3794,6 +3857,13 @@
                                     <a:ea typeface="Cambria Math" panose="02040503050406030204" pitchFamily="18" charset="0"/>
                                   </a:rPr>
                                   <m:t>𝑀</m:t>
+                                </m:r>
+                                <m:r>
+                                  <a:rPr kumimoji="1" lang="en-US" altLang="ja-JP" sz="2400" b="0" i="0">
+                                    <a:latin typeface="Cambria Math" panose="02040503050406030204" pitchFamily="18" charset="0"/>
+                                    <a:ea typeface="Cambria Math" panose="02040503050406030204" pitchFamily="18" charset="0"/>
+                                  </a:rPr>
+                                  <m:t>)</m:t>
                                 </m:r>
                               </m:oMath>
                             </m:oMathPara>
@@ -3852,7 +3922,7 @@
             </a:graphic>
           </p:graphicFrame>
         </mc:Choice>
-        <mc:Fallback>
+        <mc:Fallback xmlns="">
           <p:graphicFrame>
             <p:nvGraphicFramePr>
               <p:cNvPr id="6" name="コンテンツ プレースホルダー 3">
@@ -3868,7 +3938,7 @@
               <p:nvPr>
                 <p:extLst>
                   <p:ext uri="{D42A27DB-BD31-4B8C-83A1-F6EECF244321}">
-                    <p14:modId xmlns:p14="http://schemas.microsoft.com/office/powerpoint/2010/main" val="694416655"/>
+                    <p14:modId xmlns:p14="http://schemas.microsoft.com/office/powerpoint/2010/main" val="3796039077"/>
                   </p:ext>
                 </p:extLst>
               </p:nvPr>
@@ -4768,7 +4838,18 @@
               </a:defRPr>
             </a:pPr>
             <a:r>
-              <a:t>73 lines per 46hours</a:t>
+              <a:rPr lang="en-US" altLang="ja-JP"/>
+              <a:t>231</a:t>
+            </a:r>
+            <a:r>
+              <a:t> lines per </a:t>
+            </a:r>
+            <a:r>
+              <a:rPr lang="en-US" altLang="ja-JP"/>
+              <a:t>51</a:t>
+            </a:r>
+            <a:r>
+              <a:t>hours</a:t>
             </a:r>
           </a:p>
           <a:p>
@@ -4834,7 +4915,21 @@
               </a:defRPr>
             </a:pPr>
             <a:r>
-              <a:t>1544 lines per 60 hours</a:t>
+              <a:t>15</a:t>
+            </a:r>
+            <a:r>
+              <a:rPr lang="en-US" altLang="ja-JP"/>
+              <a:t>91</a:t>
+            </a:r>
+            <a:r>
+              <a:t> lines per 6</a:t>
+            </a:r>
+            <a:r>
+              <a:rPr lang="en-US" altLang="ja-JP"/>
+              <a:t>5</a:t>
+            </a:r>
+            <a:r>
+              <a:t> hours</a:t>
             </a:r>
           </a:p>
           <a:p>
@@ -5045,7 +5140,28 @@
               <a:defRPr sz="2400"/>
             </a:pPr>
             <a:r>
-              <a:t>Algorithm efficiency was so bad that the system could not treat the big size input(ex10, ex11)</a:t>
+              <a:t>Algorithm efficiency was so bad that the system could not treat the big size input(</a:t>
+            </a:r>
+            <a:r>
+              <a:rPr lang="en-US"/>
+              <a:t>not only </a:t>
+            </a:r>
+            <a:r>
+              <a:t>ex10</a:t>
+            </a:r>
+            <a:r>
+              <a:rPr lang="en-US" altLang="ja-JP"/>
+              <a:t> and </a:t>
+            </a:r>
+            <a:r>
+              <a:t>ex11</a:t>
+            </a:r>
+            <a:r>
+              <a:rPr lang="en-US" altLang="ja-JP"/>
+              <a:t> but also ex3-9</a:t>
+            </a:r>
+            <a:r>
+              <a:t>)</a:t>
             </a:r>
           </a:p>
           <a:p>
@@ -5449,7 +5565,14 @@
           </a:p>
           <a:p>
             <a:r>
-              <a:t>There are few restrictions ➜Focus on implement algorithms</a:t>
+              <a:t>There are few restrictions ➜</a:t>
+            </a:r>
+            <a:r>
+              <a:rPr lang="en-US" altLang="ja-JP"/>
+              <a:t> </a:t>
+            </a:r>
+            <a:r>
+              <a:t>Focus on implement algorithms</a:t>
             </a:r>
           </a:p>
         </p:txBody>
@@ -5830,7 +5953,14 @@
           <a:lstStyle/>
           <a:p>
             <a:r>
-              <a:t>Class Diagram2(abstract of source code)</a:t>
+              <a:t>Class Diagram</a:t>
+            </a:r>
+            <a:r>
+              <a:rPr lang="en-US" altLang="ja-JP"/>
+              <a:t> </a:t>
+            </a:r>
+            <a:r>
+              <a:t>2(abstract of source code)</a:t>
             </a:r>
           </a:p>
         </p:txBody>
@@ -5969,48 +6099,56 @@
           </a:bodyPr>
           <a:lstStyle/>
           <a:p>
-            <a:pPr marL="514350" indent="-514350">
+            <a:pPr marL="0" indent="0">
+              <a:buNone/>
+            </a:pPr>
+            <a:r>
+              <a:rPr lang="en-US"/>
+              <a:t>for seg1, seg2 in segments:</a:t>
+            </a:r>
+            <a:endParaRPr/>
+          </a:p>
+          <a:p>
+            <a:pPr marL="1009650" lvl="1" indent="-514350">
               <a:buFontTx/>
               <a:buAutoNum type="arabicPeriod"/>
             </a:pPr>
+            <a:r>
+              <a:t>Find the intersection of</a:t>
+            </a:r>
+            <a:r>
+              <a:rPr lang="en-US" altLang="ja-JP"/>
+              <a:t> seg1 and seg2</a:t>
+            </a:r>
             <a:endParaRPr/>
           </a:p>
           <a:p>
-            <a:pPr marL="514350" indent="-514350">
+            <a:pPr marL="1009650" lvl="1" indent="-514350">
               <a:buFontTx/>
               <a:buAutoNum type="arabicPeriod"/>
             </a:pPr>
             <a:r>
-              <a:t>Find the intersection of 2 segments</a:t>
-            </a:r>
-          </a:p>
-          <a:p>
-            <a:pPr marL="514350" indent="-514350">
+              <a:t>Remove intersection if the point is end point</a:t>
+            </a:r>
+          </a:p>
+          <a:p>
+            <a:pPr marL="1009650" lvl="1" indent="-514350">
               <a:buFontTx/>
               <a:buAutoNum type="arabicPeriod"/>
             </a:pPr>
             <a:r>
-              <a:t>Remove intersection if the point is end point</a:t>
-            </a:r>
-          </a:p>
-          <a:p>
-            <a:pPr marL="514350" indent="-514350">
+              <a:t>Append intersection to intersections list</a:t>
+            </a:r>
+            <a:endParaRPr lang="en-US" altLang="ja-JP"/>
+          </a:p>
+          <a:p>
+            <a:pPr marL="1009650" lvl="1" indent="-514350">
               <a:buFontTx/>
               <a:buAutoNum type="arabicPeriod"/>
             </a:pPr>
             <a:r>
-              <a:t>Append intersection to intersections list</a:t>
-            </a:r>
-            <a:endParaRPr lang="en-US" altLang="ja-JP"/>
-          </a:p>
-          <a:p>
-            <a:pPr marL="514350" indent="-514350">
-              <a:buFontTx/>
-              <a:buAutoNum type="arabicPeriod"/>
-            </a:pPr>
-            <a:r>
               <a:rPr lang="en-US"/>
-              <a:t>Sort Intersection</a:t>
+              <a:t>Sort intersections list</a:t>
             </a:r>
           </a:p>
           <a:p>
@@ -6148,7 +6286,7 @@
         <p:spPr>
           <a:xfrm>
             <a:off x="838200" y="1825624"/>
-            <a:ext cx="6149036" cy="5032377"/>
+            <a:ext cx="6149036" cy="4667251"/>
           </a:xfrm>
           <a:prstGeom prst="rect">
             <a:avLst/>
@@ -6206,7 +6344,7 @@
               <a:buAutoNum type="arabicPeriod"/>
             </a:pPr>
             <a:r>
-              <a:t>Append roots(sorted) and stop recursive</a:t>
+              <a:t>Append roots and stop recursive</a:t>
             </a:r>
           </a:p>
         </p:txBody>
@@ -7329,7 +7467,7 @@
           </a:p>
           <a:p>
             <a:r>
-              <a:t>If goal points have no contacted segments, Do not run recursive func.</a:t>
+              <a:t>If goal point have no contacted segments, Do not run recursive func.</a:t>
             </a:r>
           </a:p>
         </p:txBody>

--- a/Reports/final2.pptx
+++ b/Reports/final2.pptx
@@ -5,27 +5,29 @@
     <p:sldMasterId id="2147483648" r:id="rId1"/>
   </p:sldMasterIdLst>
   <p:notesMasterIdLst>
-    <p:notesMasterId r:id="rId20"/>
+    <p:notesMasterId r:id="rId22"/>
   </p:notesMasterIdLst>
   <p:sldIdLst>
     <p:sldId id="257" r:id="rId2"/>
     <p:sldId id="258" r:id="rId3"/>
     <p:sldId id="259" r:id="rId4"/>
     <p:sldId id="260" r:id="rId5"/>
-    <p:sldId id="261" r:id="rId6"/>
-    <p:sldId id="262" r:id="rId7"/>
-    <p:sldId id="264" r:id="rId8"/>
-    <p:sldId id="265" r:id="rId9"/>
-    <p:sldId id="266" r:id="rId10"/>
-    <p:sldId id="267" r:id="rId11"/>
-    <p:sldId id="268" r:id="rId12"/>
-    <p:sldId id="269" r:id="rId13"/>
-    <p:sldId id="270" r:id="rId14"/>
-    <p:sldId id="271" r:id="rId15"/>
-    <p:sldId id="263" r:id="rId16"/>
-    <p:sldId id="272" r:id="rId17"/>
-    <p:sldId id="273" r:id="rId18"/>
-    <p:sldId id="274" r:id="rId19"/>
+    <p:sldId id="275" r:id="rId6"/>
+    <p:sldId id="261" r:id="rId7"/>
+    <p:sldId id="262" r:id="rId8"/>
+    <p:sldId id="264" r:id="rId9"/>
+    <p:sldId id="265" r:id="rId10"/>
+    <p:sldId id="266" r:id="rId11"/>
+    <p:sldId id="267" r:id="rId12"/>
+    <p:sldId id="268" r:id="rId13"/>
+    <p:sldId id="276" r:id="rId14"/>
+    <p:sldId id="269" r:id="rId15"/>
+    <p:sldId id="270" r:id="rId16"/>
+    <p:sldId id="271" r:id="rId17"/>
+    <p:sldId id="263" r:id="rId18"/>
+    <p:sldId id="272" r:id="rId19"/>
+    <p:sldId id="273" r:id="rId20"/>
+    <p:sldId id="274" r:id="rId21"/>
   </p:sldIdLst>
   <p:sldSz cx="12192000" cy="6858000"/>
   <p:notesSz cx="6858000" cy="9144000"/>
@@ -2869,6 +2871,36 @@
           </a:p>
         </p:txBody>
       </p:sp>
+      <p:pic>
+        <p:nvPicPr>
+          <p:cNvPr id="2" name="図 1">
+            <a:extLst>
+              <a:ext uri="{FF2B5EF4-FFF2-40B4-BE49-F238E27FC236}">
+                <a16:creationId xmlns:a16="http://schemas.microsoft.com/office/drawing/2014/main" id="{6F19142C-0B6C-A743-BEC6-D412B3BAF430}"/>
+              </a:ext>
+            </a:extLst>
+          </p:cNvPr>
+          <p:cNvPicPr>
+            <a:picLocks noChangeAspect="1"/>
+          </p:cNvPicPr>
+          <p:nvPr/>
+        </p:nvPicPr>
+        <p:blipFill>
+          <a:blip r:embed="rId2"/>
+          <a:stretch>
+            <a:fillRect/>
+          </a:stretch>
+        </p:blipFill>
+        <p:spPr>
+          <a:xfrm>
+            <a:off x="0" y="0"/>
+            <a:ext cx="12192000" cy="6858000"/>
+          </a:xfrm>
+          <a:prstGeom prst="rect">
+            <a:avLst/>
+          </a:prstGeom>
+        </p:spPr>
+      </p:pic>
     </p:spTree>
   </p:cSld>
   <p:clrMapOvr>
@@ -2879,6 +2911,156 @@
 </file>
 
 <file path=ppt/slides/slide10.xml><?xml version="1.0" encoding="utf-8"?>
+<p:sld xmlns:a="http://schemas.openxmlformats.org/drawingml/2006/main" xmlns:r="http://schemas.openxmlformats.org/officeDocument/2006/relationships" xmlns:p="http://schemas.openxmlformats.org/presentationml/2006/main">
+  <p:cSld>
+    <p:spTree>
+      <p:nvGrpSpPr>
+        <p:cNvPr id="1" name=""/>
+        <p:cNvGrpSpPr/>
+        <p:nvPr/>
+      </p:nvGrpSpPr>
+      <p:grpSpPr>
+        <a:xfrm>
+          <a:off x="0" y="0"/>
+          <a:ext cx="0" cy="0"/>
+          <a:chOff x="0" y="0"/>
+          <a:chExt cx="0" cy="0"/>
+        </a:xfrm>
+      </p:grpSpPr>
+      <p:sp>
+        <p:nvSpPr>
+          <p:cNvPr id="159" name="タイトル 1"/>
+          <p:cNvSpPr txBox="1">
+            <a:spLocks noGrp="1"/>
+          </p:cNvSpPr>
+          <p:nvPr>
+            <p:ph type="title"/>
+          </p:nvPr>
+        </p:nvSpPr>
+        <p:spPr>
+          <a:prstGeom prst="rect">
+            <a:avLst/>
+          </a:prstGeom>
+        </p:spPr>
+        <p:txBody>
+          <a:bodyPr/>
+          <a:lstStyle/>
+          <a:p>
+            <a:r>
+              <a:t>Improvement efficiency</a:t>
+            </a:r>
+          </a:p>
+        </p:txBody>
+      </p:sp>
+      <p:sp>
+        <p:nvSpPr>
+          <p:cNvPr id="160" name="コンテンツ プレースホルダー 2"/>
+          <p:cNvSpPr txBox="1">
+            <a:spLocks noGrp="1"/>
+          </p:cNvSpPr>
+          <p:nvPr>
+            <p:ph type="body" idx="1"/>
+          </p:nvPr>
+        </p:nvSpPr>
+        <p:spPr>
+          <a:prstGeom prst="rect">
+            <a:avLst/>
+          </a:prstGeom>
+        </p:spPr>
+        <p:txBody>
+          <a:bodyPr/>
+          <a:lstStyle/>
+          <a:p>
+            <a:pPr marL="514350" indent="-514350">
+              <a:buFontTx/>
+              <a:buAutoNum type="arabicPeriod"/>
+            </a:pPr>
+            <a:endParaRPr/>
+          </a:p>
+          <a:p>
+            <a:r>
+              <a:t>Recursive function has distance information(start ➜ now position), so if the distance</a:t>
+            </a:r>
+            <a:r>
+              <a:rPr lang="en-US" altLang="ja-JP"/>
+              <a:t> + direct distance(now position </a:t>
+            </a:r>
+            <a:r>
+              <a:rPr lang="ja-JP" altLang="en-US"/>
+              <a:t>➜</a:t>
+            </a:r>
+            <a:r>
+              <a:rPr lang="en-US" altLang="ja-JP"/>
+              <a:t> fin)</a:t>
+            </a:r>
+            <a:r>
+              <a:t> is bigger than roots[K</a:t>
+            </a:r>
+            <a:r>
+              <a:rPr lang="en-US" altLang="ja-JP"/>
+              <a:t>-1</a:t>
+            </a:r>
+            <a:r>
+              <a:t>].distance, stop the recursive. ➜ Waste recursive has been minimized.</a:t>
+            </a:r>
+          </a:p>
+          <a:p>
+            <a:r>
+              <a:t>High priority segments and points is going ahead.</a:t>
+            </a:r>
+          </a:p>
+          <a:p>
+            <a:r>
+              <a:t>If goal point have no contacted segments, Do not run recursive func.</a:t>
+            </a:r>
+          </a:p>
+        </p:txBody>
+      </p:sp>
+      <p:sp>
+        <p:nvSpPr>
+          <p:cNvPr id="161" name="スライド番号"/>
+          <p:cNvSpPr txBox="1">
+            <a:spLocks noGrp="1"/>
+          </p:cNvSpPr>
+          <p:nvPr>
+            <p:ph type="sldNum" sz="quarter" idx="4294967295"/>
+          </p:nvPr>
+        </p:nvSpPr>
+        <p:spPr>
+          <a:xfrm>
+            <a:off x="11091380" y="6404291"/>
+            <a:ext cx="262418" cy="269239"/>
+          </a:xfrm>
+          <a:prstGeom prst="rect">
+            <a:avLst/>
+          </a:prstGeom>
+          <a:extLst>
+            <a:ext uri="{C572A759-6A51-4108-AA02-DFA0A04FC94B}">
+              <ma14:wrappingTextBoxFlag xmlns:ma14="http://schemas.microsoft.com/office/mac/drawingml/2011/main" xmlns:a14="http://schemas.microsoft.com/office/drawing/2010/main" xmlns:m="http://schemas.openxmlformats.org/officeDocument/2006/math" xmlns="" val="1"/>
+            </a:ext>
+          </a:extLst>
+        </p:spPr>
+        <p:txBody>
+          <a:bodyPr/>
+          <a:lstStyle/>
+          <a:p>
+            <a:fld id="{86CB4B4D-7CA3-9044-876B-883B54F8677D}" type="slidenum">
+              <a:t>10</a:t>
+            </a:fld>
+            <a:endParaRPr/>
+          </a:p>
+        </p:txBody>
+      </p:sp>
+    </p:spTree>
+  </p:cSld>
+  <p:clrMapOvr>
+    <a:masterClrMapping/>
+  </p:clrMapOvr>
+  <p:transition spd="med"/>
+</p:sld>
+</file>
+
+<file path=ppt/slides/slide11.xml><?xml version="1.0" encoding="utf-8"?>
 <p:sld xmlns:a="http://schemas.openxmlformats.org/drawingml/2006/main" xmlns:r="http://schemas.openxmlformats.org/officeDocument/2006/relationships" xmlns:p="http://schemas.openxmlformats.org/presentationml/2006/main">
   <p:cSld>
     <p:spTree>
@@ -3086,7 +3268,7 @@
           <a:lstStyle/>
           <a:p>
             <a:fld id="{86CB4B4D-7CA3-9044-876B-883B54F8677D}" type="slidenum">
-              <a:t>10</a:t>
+              <a:t>11</a:t>
             </a:fld>
             <a:endParaRPr/>
           </a:p>
@@ -3101,7 +3283,7 @@
 </p:sld>
 </file>
 
-<file path=ppt/slides/slide11.xml><?xml version="1.0" encoding="utf-8"?>
+<file path=ppt/slides/slide12.xml><?xml version="1.0" encoding="utf-8"?>
 <p:sld xmlns:a="http://schemas.openxmlformats.org/drawingml/2006/main" xmlns:r="http://schemas.openxmlformats.org/officeDocument/2006/relationships" xmlns:p="http://schemas.openxmlformats.org/presentationml/2006/main">
   <p:cSld>
     <p:spTree>
@@ -3297,7 +3479,7 @@
           <a:lstStyle/>
           <a:p>
             <a:fld id="{86CB4B4D-7CA3-9044-876B-883B54F8677D}" type="slidenum">
-              <a:t>11</a:t>
+              <a:t>12</a:t>
             </a:fld>
             <a:endParaRPr/>
           </a:p>
@@ -3312,7 +3494,149 @@
 </p:sld>
 </file>
 
-<file path=ppt/slides/slide12.xml><?xml version="1.0" encoding="utf-8"?>
+<file path=ppt/slides/slide13.xml><?xml version="1.0" encoding="utf-8"?>
+<p:sld xmlns:a="http://schemas.openxmlformats.org/drawingml/2006/main" xmlns:r="http://schemas.openxmlformats.org/officeDocument/2006/relationships" xmlns:p="http://schemas.openxmlformats.org/presentationml/2006/main">
+  <p:cSld>
+    <p:spTree>
+      <p:nvGrpSpPr>
+        <p:cNvPr id="1" name=""/>
+        <p:cNvGrpSpPr/>
+        <p:nvPr/>
+      </p:nvGrpSpPr>
+      <p:grpSpPr>
+        <a:xfrm>
+          <a:off x="0" y="0"/>
+          <a:ext cx="0" cy="0"/>
+          <a:chOff x="0" y="0"/>
+          <a:chExt cx="0" cy="0"/>
+        </a:xfrm>
+      </p:grpSpPr>
+      <p:sp>
+        <p:nvSpPr>
+          <p:cNvPr id="2" name="タイトル 1">
+            <a:extLst>
+              <a:ext uri="{FF2B5EF4-FFF2-40B4-BE49-F238E27FC236}">
+                <a16:creationId xmlns:a16="http://schemas.microsoft.com/office/drawing/2014/main" id="{E8DA5589-7187-7947-8602-9DB2BFF77C9D}"/>
+              </a:ext>
+            </a:extLst>
+          </p:cNvPr>
+          <p:cNvSpPr>
+            <a:spLocks noGrp="1"/>
+          </p:cNvSpPr>
+          <p:nvPr>
+            <p:ph type="title"/>
+          </p:nvPr>
+        </p:nvSpPr>
+        <p:spPr/>
+        <p:txBody>
+          <a:bodyPr/>
+          <a:lstStyle/>
+          <a:p>
+            <a:r>
+              <a:rPr kumimoji="1" lang="en-US" altLang="ja-JP"/>
+              <a:t>Exercise 9</a:t>
+            </a:r>
+            <a:endParaRPr kumimoji="1" lang="ja-JP" altLang="en-US"/>
+          </a:p>
+        </p:txBody>
+      </p:sp>
+      <p:sp>
+        <p:nvSpPr>
+          <p:cNvPr id="3" name="テキスト プレースホルダー 2">
+            <a:extLst>
+              <a:ext uri="{FF2B5EF4-FFF2-40B4-BE49-F238E27FC236}">
+                <a16:creationId xmlns:a16="http://schemas.microsoft.com/office/drawing/2014/main" id="{6D577502-A6C9-3340-81FE-AFA23A81B081}"/>
+              </a:ext>
+            </a:extLst>
+          </p:cNvPr>
+          <p:cNvSpPr>
+            <a:spLocks noGrp="1"/>
+          </p:cNvSpPr>
+          <p:nvPr>
+            <p:ph type="body" idx="1"/>
+          </p:nvPr>
+        </p:nvSpPr>
+        <p:spPr/>
+        <p:txBody>
+          <a:bodyPr/>
+          <a:lstStyle/>
+          <a:p>
+            <a:endParaRPr kumimoji="1" lang="en-US" altLang="ja-JP"/>
+          </a:p>
+          <a:p>
+            <a:r>
+              <a:rPr kumimoji="1" lang="en-US" altLang="ja-JP"/>
+              <a:t>P = 0 and Q = 0 </a:t>
+            </a:r>
+            <a:r>
+              <a:rPr kumimoji="1" lang="ja-JP" altLang="en-US"/>
+              <a:t>➜</a:t>
+            </a:r>
+            <a:r>
+              <a:rPr kumimoji="1" lang="en-US" altLang="ja-JP"/>
+              <a:t> Intersections, Main Loads ( = Ex2,  8 )</a:t>
+            </a:r>
+          </a:p>
+          <a:p>
+            <a:r>
+              <a:rPr kumimoji="1" lang="en-US" altLang="ja-JP"/>
+              <a:t>P != 0 </a:t>
+            </a:r>
+            <a:r>
+              <a:rPr kumimoji="1" lang="ja-JP" altLang="en-US"/>
+              <a:t>➜ </a:t>
+            </a:r>
+            <a:r>
+              <a:rPr kumimoji="1" lang="en-US" altLang="ja-JP"/>
+              <a:t>Added Point ( = Ex7 )</a:t>
+            </a:r>
+          </a:p>
+          <a:p>
+            <a:r>
+              <a:rPr kumimoji="1" lang="en-US" altLang="ja-JP"/>
+              <a:t>Q != 0 </a:t>
+            </a:r>
+            <a:r>
+              <a:rPr kumimoji="1" lang="ja-JP" altLang="en-US"/>
+              <a:t>➜</a:t>
+            </a:r>
+            <a:r>
+              <a:rPr kumimoji="1" lang="en-US" altLang="ja-JP"/>
+              <a:t> K-Roots and Distance( = Ex6 )</a:t>
+            </a:r>
+          </a:p>
+          <a:p>
+            <a:r>
+              <a:rPr kumimoji="1" lang="en-US" altLang="ja-JP"/>
+              <a:t>P != 0 and Q != 0</a:t>
+            </a:r>
+            <a:r>
+              <a:rPr kumimoji="1" lang="ja-JP" altLang="en-US"/>
+              <a:t> ➜</a:t>
+            </a:r>
+            <a:r>
+              <a:rPr kumimoji="1" lang="en-US" altLang="ja-JP"/>
+              <a:t> Both( = Ex6, 7 )</a:t>
+            </a:r>
+            <a:endParaRPr kumimoji="1" lang="ja-JP" altLang="en-US"/>
+          </a:p>
+        </p:txBody>
+      </p:sp>
+    </p:spTree>
+    <p:extLst>
+      <p:ext uri="{BB962C8B-B14F-4D97-AF65-F5344CB8AC3E}">
+        <p14:creationId xmlns:p14="http://schemas.microsoft.com/office/powerpoint/2010/main" val="4190152608"/>
+      </p:ext>
+    </p:extLst>
+  </p:cSld>
+  <p:clrMapOvr>
+    <a:masterClrMapping/>
+  </p:clrMapOvr>
+  <p:transition spd="med"/>
+</p:sld>
+</file>
+
+<file path=ppt/slides/slide14.xml><?xml version="1.0" encoding="utf-8"?>
 <p:sld xmlns:a="http://schemas.openxmlformats.org/drawingml/2006/main" xmlns:r="http://schemas.openxmlformats.org/officeDocument/2006/relationships" xmlns:p="http://schemas.openxmlformats.org/presentationml/2006/main">
   <p:cSld>
     <p:spTree>
@@ -3383,7 +3707,7 @@
           <a:lstStyle/>
           <a:p>
             <a:fld id="{86CB4B4D-7CA3-9044-876B-883B54F8677D}" type="slidenum">
-              <a:t>12</a:t>
+              <a:t>14</a:t>
             </a:fld>
             <a:endParaRPr/>
           </a:p>
@@ -4274,7 +4598,7 @@
 </p:sld>
 </file>
 
-<file path=ppt/slides/slide13.xml><?xml version="1.0" encoding="utf-8"?>
+<file path=ppt/slides/slide15.xml><?xml version="1.0" encoding="utf-8"?>
 <p:sld xmlns:a="http://schemas.openxmlformats.org/drawingml/2006/main" xmlns:r="http://schemas.openxmlformats.org/officeDocument/2006/relationships" xmlns:p="http://schemas.openxmlformats.org/presentationml/2006/main">
   <p:cSld>
     <p:spTree>
@@ -4487,7 +4811,7 @@
           <a:lstStyle/>
           <a:p>
             <a:fld id="{86CB4B4D-7CA3-9044-876B-883B54F8677D}" type="slidenum">
-              <a:t>13</a:t>
+              <a:t>15</a:t>
             </a:fld>
             <a:endParaRPr/>
           </a:p>
@@ -4502,7 +4826,7 @@
 </p:sld>
 </file>
 
-<file path=ppt/slides/slide14.xml><?xml version="1.0" encoding="utf-8"?>
+<file path=ppt/slides/slide16.xml><?xml version="1.0" encoding="utf-8"?>
 <p:sld xmlns:a="http://schemas.openxmlformats.org/drawingml/2006/main" xmlns:r="http://schemas.openxmlformats.org/officeDocument/2006/relationships" xmlns:p="http://schemas.openxmlformats.org/presentationml/2006/main">
   <p:cSld>
     <p:spTree>
@@ -4606,7 +4930,7 @@
           <a:lstStyle/>
           <a:p>
             <a:fld id="{86CB4B4D-7CA3-9044-876B-883B54F8677D}" type="slidenum">
-              <a:t>14</a:t>
+              <a:t>16</a:t>
             </a:fld>
             <a:endParaRPr/>
           </a:p>
@@ -4621,7 +4945,7 @@
 </p:sld>
 </file>
 
-<file path=ppt/slides/slide15.xml><?xml version="1.0" encoding="utf-8"?>
+<file path=ppt/slides/slide17.xml><?xml version="1.0" encoding="utf-8"?>
 <p:sld xmlns:a="http://schemas.openxmlformats.org/drawingml/2006/main" xmlns:r="http://schemas.openxmlformats.org/officeDocument/2006/relationships" xmlns:p="http://schemas.openxmlformats.org/presentationml/2006/main">
   <p:cSld>
     <p:spTree>
@@ -4700,7 +5024,7 @@
           <a:lstStyle/>
           <a:p>
             <a:fld id="{86CB4B4D-7CA3-9044-876B-883B54F8677D}" type="slidenum">
-              <a:t>15</a:t>
+              <a:t>17</a:t>
             </a:fld>
             <a:endParaRPr/>
           </a:p>
@@ -4715,7 +5039,7 @@
 </p:sld>
 </file>
 
-<file path=ppt/slides/slide16.xml><?xml version="1.0" encoding="utf-8"?>
+<file path=ppt/slides/slide18.xml><?xml version="1.0" encoding="utf-8"?>
 <p:sld xmlns:a="http://schemas.openxmlformats.org/drawingml/2006/main" xmlns:r="http://schemas.openxmlformats.org/officeDocument/2006/relationships" xmlns:p="http://schemas.openxmlformats.org/presentationml/2006/main">
   <p:cSld>
     <p:spTree>
@@ -4991,7 +5315,7 @@
           <a:lstStyle/>
           <a:p>
             <a:fld id="{86CB4B4D-7CA3-9044-876B-883B54F8677D}" type="slidenum">
-              <a:t>16</a:t>
+              <a:t>18</a:t>
             </a:fld>
             <a:endParaRPr/>
           </a:p>
@@ -5042,7 +5366,7 @@
 </p:sld>
 </file>
 
-<file path=ppt/slides/slide17.xml><?xml version="1.0" encoding="utf-8"?>
+<file path=ppt/slides/slide19.xml><?xml version="1.0" encoding="utf-8"?>
 <p:sld xmlns:a="http://schemas.openxmlformats.org/drawingml/2006/main" xmlns:r="http://schemas.openxmlformats.org/officeDocument/2006/relationships" xmlns:p="http://schemas.openxmlformats.org/presentationml/2006/main">
   <p:cSld>
     <p:spTree>
@@ -5205,103 +5529,7 @@
           <a:lstStyle/>
           <a:p>
             <a:fld id="{86CB4B4D-7CA3-9044-876B-883B54F8677D}" type="slidenum">
-              <a:t>17</a:t>
-            </a:fld>
-            <a:endParaRPr/>
-          </a:p>
-        </p:txBody>
-      </p:sp>
-    </p:spTree>
-  </p:cSld>
-  <p:clrMapOvr>
-    <a:masterClrMapping/>
-  </p:clrMapOvr>
-  <p:transition spd="med"/>
-</p:sld>
-</file>
-
-<file path=ppt/slides/slide18.xml><?xml version="1.0" encoding="utf-8"?>
-<p:sld xmlns:a="http://schemas.openxmlformats.org/drawingml/2006/main" xmlns:r="http://schemas.openxmlformats.org/officeDocument/2006/relationships" xmlns:p="http://schemas.openxmlformats.org/presentationml/2006/main">
-  <p:cSld>
-    <p:spTree>
-      <p:nvGrpSpPr>
-        <p:cNvPr id="1" name=""/>
-        <p:cNvGrpSpPr/>
-        <p:nvPr/>
-      </p:nvGrpSpPr>
-      <p:grpSpPr>
-        <a:xfrm>
-          <a:off x="0" y="0"/>
-          <a:ext cx="0" cy="0"/>
-          <a:chOff x="0" y="0"/>
-          <a:chExt cx="0" cy="0"/>
-        </a:xfrm>
-      </p:grpSpPr>
-      <p:sp>
-        <p:nvSpPr>
-          <p:cNvPr id="194" name="コンテンツ プレースホルダー 2"/>
-          <p:cNvSpPr txBox="1">
-            <a:spLocks noGrp="1"/>
-          </p:cNvSpPr>
-          <p:nvPr>
-            <p:ph type="body" idx="1"/>
-          </p:nvPr>
-        </p:nvSpPr>
-        <p:spPr>
-          <a:xfrm>
-            <a:off x="838200" y="600072"/>
-            <a:ext cx="10515600" cy="5815017"/>
-          </a:xfrm>
-          <a:prstGeom prst="rect">
-            <a:avLst/>
-          </a:prstGeom>
-        </p:spPr>
-        <p:txBody>
-          <a:bodyPr anchor="ctr"/>
-          <a:lstStyle>
-            <a:lvl1pPr marL="0" indent="0" algn="ctr">
-              <a:buSzTx/>
-              <a:buNone/>
-              <a:defRPr sz="4400" b="1"/>
-            </a:lvl1pPr>
-          </a:lstStyle>
-          <a:p>
-            <a:r>
-              <a:t>Thank you for listening!</a:t>
-            </a:r>
-          </a:p>
-        </p:txBody>
-      </p:sp>
-      <p:sp>
-        <p:nvSpPr>
-          <p:cNvPr id="195" name="スライド番号"/>
-          <p:cNvSpPr txBox="1">
-            <a:spLocks noGrp="1"/>
-          </p:cNvSpPr>
-          <p:nvPr>
-            <p:ph type="sldNum" sz="quarter" idx="4294967295"/>
-          </p:nvPr>
-        </p:nvSpPr>
-        <p:spPr>
-          <a:xfrm>
-            <a:off x="11080143" y="6404291"/>
-            <a:ext cx="273655" cy="269239"/>
-          </a:xfrm>
-          <a:prstGeom prst="rect">
-            <a:avLst/>
-          </a:prstGeom>
-          <a:extLst>
-            <a:ext uri="{C572A759-6A51-4108-AA02-DFA0A04FC94B}">
-              <ma14:wrappingTextBoxFlag xmlns:ma14="http://schemas.microsoft.com/office/mac/drawingml/2011/main" xmlns:a14="http://schemas.microsoft.com/office/drawing/2010/main" xmlns:m="http://schemas.openxmlformats.org/officeDocument/2006/math" xmlns="" val="1"/>
-            </a:ext>
-          </a:extLst>
-        </p:spPr>
-        <p:txBody>
-          <a:bodyPr/>
-          <a:lstStyle/>
-          <a:p>
-            <a:fld id="{86CB4B4D-7CA3-9044-876B-883B54F8677D}" type="slidenum">
-              <a:t>18</a:t>
+              <a:t>19</a:t>
             </a:fld>
             <a:endParaRPr/>
           </a:p>
@@ -5467,6 +5695,102 @@
 </p:sld>
 </file>
 
+<file path=ppt/slides/slide20.xml><?xml version="1.0" encoding="utf-8"?>
+<p:sld xmlns:a="http://schemas.openxmlformats.org/drawingml/2006/main" xmlns:r="http://schemas.openxmlformats.org/officeDocument/2006/relationships" xmlns:p="http://schemas.openxmlformats.org/presentationml/2006/main">
+  <p:cSld>
+    <p:spTree>
+      <p:nvGrpSpPr>
+        <p:cNvPr id="1" name=""/>
+        <p:cNvGrpSpPr/>
+        <p:nvPr/>
+      </p:nvGrpSpPr>
+      <p:grpSpPr>
+        <a:xfrm>
+          <a:off x="0" y="0"/>
+          <a:ext cx="0" cy="0"/>
+          <a:chOff x="0" y="0"/>
+          <a:chExt cx="0" cy="0"/>
+        </a:xfrm>
+      </p:grpSpPr>
+      <p:sp>
+        <p:nvSpPr>
+          <p:cNvPr id="194" name="コンテンツ プレースホルダー 2"/>
+          <p:cNvSpPr txBox="1">
+            <a:spLocks noGrp="1"/>
+          </p:cNvSpPr>
+          <p:nvPr>
+            <p:ph type="body" idx="1"/>
+          </p:nvPr>
+        </p:nvSpPr>
+        <p:spPr>
+          <a:xfrm>
+            <a:off x="838200" y="600072"/>
+            <a:ext cx="10515600" cy="5815017"/>
+          </a:xfrm>
+          <a:prstGeom prst="rect">
+            <a:avLst/>
+          </a:prstGeom>
+        </p:spPr>
+        <p:txBody>
+          <a:bodyPr anchor="ctr"/>
+          <a:lstStyle>
+            <a:lvl1pPr marL="0" indent="0" algn="ctr">
+              <a:buSzTx/>
+              <a:buNone/>
+              <a:defRPr sz="4400" b="1"/>
+            </a:lvl1pPr>
+          </a:lstStyle>
+          <a:p>
+            <a:r>
+              <a:t>Thank you for listening!</a:t>
+            </a:r>
+          </a:p>
+        </p:txBody>
+      </p:sp>
+      <p:sp>
+        <p:nvSpPr>
+          <p:cNvPr id="195" name="スライド番号"/>
+          <p:cNvSpPr txBox="1">
+            <a:spLocks noGrp="1"/>
+          </p:cNvSpPr>
+          <p:nvPr>
+            <p:ph type="sldNum" sz="quarter" idx="4294967295"/>
+          </p:nvPr>
+        </p:nvSpPr>
+        <p:spPr>
+          <a:xfrm>
+            <a:off x="11080143" y="6404291"/>
+            <a:ext cx="273655" cy="269239"/>
+          </a:xfrm>
+          <a:prstGeom prst="rect">
+            <a:avLst/>
+          </a:prstGeom>
+          <a:extLst>
+            <a:ext uri="{C572A759-6A51-4108-AA02-DFA0A04FC94B}">
+              <ma14:wrappingTextBoxFlag xmlns:ma14="http://schemas.microsoft.com/office/mac/drawingml/2011/main" xmlns:a14="http://schemas.microsoft.com/office/drawing/2010/main" xmlns:m="http://schemas.openxmlformats.org/officeDocument/2006/math" xmlns="" val="1"/>
+            </a:ext>
+          </a:extLst>
+        </p:spPr>
+        <p:txBody>
+          <a:bodyPr/>
+          <a:lstStyle/>
+          <a:p>
+            <a:fld id="{86CB4B4D-7CA3-9044-876B-883B54F8677D}" type="slidenum">
+              <a:t>20</a:t>
+            </a:fld>
+            <a:endParaRPr/>
+          </a:p>
+        </p:txBody>
+      </p:sp>
+    </p:spTree>
+  </p:cSld>
+  <p:clrMapOvr>
+    <a:masterClrMapping/>
+  </p:clrMapOvr>
+  <p:transition spd="med"/>
+</p:sld>
+</file>
+
 <file path=ppt/slides/slide3.xml><?xml version="1.0" encoding="utf-8"?>
 <p:sld xmlns:a="http://schemas.openxmlformats.org/drawingml/2006/main" xmlns:r="http://schemas.openxmlformats.org/officeDocument/2006/relationships" xmlns:p="http://schemas.openxmlformats.org/presentationml/2006/main">
   <p:cSld>
@@ -5746,6 +6070,134 @@
 </file>
 
 <file path=ppt/slides/slide5.xml><?xml version="1.0" encoding="utf-8"?>
+<p:sld xmlns:a="http://schemas.openxmlformats.org/drawingml/2006/main" xmlns:r="http://schemas.openxmlformats.org/officeDocument/2006/relationships" xmlns:p="http://schemas.openxmlformats.org/presentationml/2006/main">
+  <p:cSld>
+    <p:spTree>
+      <p:nvGrpSpPr>
+        <p:cNvPr id="1" name=""/>
+        <p:cNvGrpSpPr/>
+        <p:nvPr/>
+      </p:nvGrpSpPr>
+      <p:grpSpPr>
+        <a:xfrm>
+          <a:off x="0" y="0"/>
+          <a:ext cx="0" cy="0"/>
+          <a:chOff x="0" y="0"/>
+          <a:chExt cx="0" cy="0"/>
+        </a:xfrm>
+      </p:grpSpPr>
+      <p:sp>
+        <p:nvSpPr>
+          <p:cNvPr id="2" name="タイトル 1">
+            <a:extLst>
+              <a:ext uri="{FF2B5EF4-FFF2-40B4-BE49-F238E27FC236}">
+                <a16:creationId xmlns:a16="http://schemas.microsoft.com/office/drawing/2014/main" id="{AD085C7E-341B-614D-987D-ADCC5819404F}"/>
+              </a:ext>
+            </a:extLst>
+          </p:cNvPr>
+          <p:cNvSpPr>
+            <a:spLocks noGrp="1"/>
+          </p:cNvSpPr>
+          <p:nvPr>
+            <p:ph type="title"/>
+          </p:nvPr>
+        </p:nvSpPr>
+        <p:spPr/>
+        <p:txBody>
+          <a:bodyPr/>
+          <a:lstStyle/>
+          <a:p>
+            <a:r>
+              <a:rPr kumimoji="1" lang="en-US" altLang="ja-JP"/>
+              <a:t>Progress</a:t>
+            </a:r>
+            <a:endParaRPr kumimoji="1" lang="ja-JP" altLang="en-US"/>
+          </a:p>
+        </p:txBody>
+      </p:sp>
+      <p:sp>
+        <p:nvSpPr>
+          <p:cNvPr id="3" name="テキスト プレースホルダー 2">
+            <a:extLst>
+              <a:ext uri="{FF2B5EF4-FFF2-40B4-BE49-F238E27FC236}">
+                <a16:creationId xmlns:a16="http://schemas.microsoft.com/office/drawing/2014/main" id="{482BB03F-4BED-4240-BD11-86C404F91BAC}"/>
+              </a:ext>
+            </a:extLst>
+          </p:cNvPr>
+          <p:cNvSpPr>
+            <a:spLocks noGrp="1"/>
+          </p:cNvSpPr>
+          <p:nvPr>
+            <p:ph type="body" idx="1"/>
+          </p:nvPr>
+        </p:nvSpPr>
+        <p:spPr/>
+        <p:txBody>
+          <a:bodyPr/>
+          <a:lstStyle/>
+          <a:p>
+            <a:endParaRPr kumimoji="1" lang="en-US" altLang="ja-JP"/>
+          </a:p>
+          <a:p>
+            <a:r>
+              <a:rPr kumimoji="1" lang="en-US" altLang="ja-JP"/>
+              <a:t>Ex1-9(Normal, Special and Minimun Case) </a:t>
+            </a:r>
+            <a:r>
+              <a:rPr kumimoji="1" lang="ja-JP" altLang="en-US"/>
+              <a:t>➜ </a:t>
+            </a:r>
+            <a:r>
+              <a:rPr kumimoji="1" lang="en-US" altLang="ja-JP"/>
+              <a:t>Done</a:t>
+            </a:r>
+          </a:p>
+          <a:p>
+            <a:r>
+              <a:rPr kumimoji="1" lang="en-US" altLang="ja-JP"/>
+              <a:t>Ex3-9(Max case) </a:t>
+            </a:r>
+            <a:r>
+              <a:rPr kumimoji="1" lang="ja-JP" altLang="en-US"/>
+              <a:t>➜ </a:t>
+            </a:r>
+            <a:r>
+              <a:rPr kumimoji="1" lang="en-US" altLang="ja-JP"/>
+              <a:t>Calculation doesn’t finish</a:t>
+            </a:r>
+          </a:p>
+          <a:p>
+            <a:r>
+              <a:rPr kumimoji="1" lang="en-US" altLang="ja-JP"/>
+              <a:t>Ex10-11(Max case) </a:t>
+            </a:r>
+            <a:r>
+              <a:rPr kumimoji="1" lang="ja-JP" altLang="en-US"/>
+              <a:t>➜</a:t>
+            </a:r>
+            <a:r>
+              <a:rPr kumimoji="1" lang="en-US" altLang="ja-JP"/>
+              <a:t> Calculation doesn’t finish</a:t>
+            </a:r>
+            <a:endParaRPr kumimoji="1" lang="ja-JP" altLang="en-US"/>
+          </a:p>
+        </p:txBody>
+      </p:sp>
+    </p:spTree>
+    <p:extLst>
+      <p:ext uri="{BB962C8B-B14F-4D97-AF65-F5344CB8AC3E}">
+        <p14:creationId xmlns:p14="http://schemas.microsoft.com/office/powerpoint/2010/main" val="2566768584"/>
+      </p:ext>
+    </p:extLst>
+  </p:cSld>
+  <p:clrMapOvr>
+    <a:masterClrMapping/>
+  </p:clrMapOvr>
+  <p:transition spd="med"/>
+</p:sld>
+</file>
+
+<file path=ppt/slides/slide6.xml><?xml version="1.0" encoding="utf-8"?>
 <p:sld xmlns:a="http://schemas.openxmlformats.org/drawingml/2006/main" xmlns:r="http://schemas.openxmlformats.org/officeDocument/2006/relationships" xmlns:p="http://schemas.openxmlformats.org/presentationml/2006/main">
   <p:cSld>
     <p:spTree>
@@ -5901,7 +6353,7 @@
           <a:lstStyle/>
           <a:p>
             <a:fld id="{86CB4B4D-7CA3-9044-876B-883B54F8677D}" type="slidenum">
-              <a:t>5</a:t>
+              <a:t>6</a:t>
             </a:fld>
             <a:endParaRPr/>
           </a:p>
@@ -5916,7 +6368,7 @@
 </p:sld>
 </file>
 
-<file path=ppt/slides/slide6.xml><?xml version="1.0" encoding="utf-8"?>
+<file path=ppt/slides/slide7.xml><?xml version="1.0" encoding="utf-8"?>
 <p:sld xmlns:a="http://schemas.openxmlformats.org/drawingml/2006/main" xmlns:r="http://schemas.openxmlformats.org/officeDocument/2006/relationships" xmlns:p="http://schemas.openxmlformats.org/presentationml/2006/main">
   <p:cSld>
     <p:spTree>
@@ -6021,7 +6473,7 @@
           <a:lstStyle/>
           <a:p>
             <a:fld id="{86CB4B4D-7CA3-9044-876B-883B54F8677D}" type="slidenum">
-              <a:t>6</a:t>
+              <a:t>7</a:t>
             </a:fld>
             <a:endParaRPr/>
           </a:p>
@@ -6036,7 +6488,7 @@
 </p:sld>
 </file>
 
-<file path=ppt/slides/slide7.xml><?xml version="1.0" encoding="utf-8"?>
+<file path=ppt/slides/slide8.xml><?xml version="1.0" encoding="utf-8"?>
 <p:sld xmlns:a="http://schemas.openxmlformats.org/drawingml/2006/main" xmlns:r="http://schemas.openxmlformats.org/officeDocument/2006/relationships" xmlns:p="http://schemas.openxmlformats.org/presentationml/2006/main">
   <p:cSld>
     <p:spTree>
@@ -6216,7 +6668,7 @@
           <a:lstStyle/>
           <a:p>
             <a:fld id="{86CB4B4D-7CA3-9044-876B-883B54F8677D}" type="slidenum">
-              <a:t>7</a:t>
+              <a:t>8</a:t>
             </a:fld>
             <a:endParaRPr/>
           </a:p>
@@ -6231,7 +6683,7 @@
 </p:sld>
 </file>
 
-<file path=ppt/slides/slide8.xml><?xml version="1.0" encoding="utf-8"?>
+<file path=ppt/slides/slide9.xml><?xml version="1.0" encoding="utf-8"?>
 <p:sld xmlns:a="http://schemas.openxmlformats.org/drawingml/2006/main" xmlns:r="http://schemas.openxmlformats.org/officeDocument/2006/relationships" xmlns:p="http://schemas.openxmlformats.org/presentationml/2006/main">
   <p:cSld>
     <p:spTree>
@@ -7269,7 +7721,7 @@
           <a:lstStyle/>
           <a:p>
             <a:fld id="{86CB4B4D-7CA3-9044-876B-883B54F8677D}" type="slidenum">
-              <a:t>8</a:t>
+              <a:t>9</a:t>
             </a:fld>
             <a:endParaRPr/>
           </a:p>
@@ -7370,149 +7822,6 @@
       <p:bldP spid="156" grpId="1" animBg="1" advAuto="0"/>
     </p:bldLst>
   </p:timing>
-</p:sld>
-</file>
-
-<file path=ppt/slides/slide9.xml><?xml version="1.0" encoding="utf-8"?>
-<p:sld xmlns:a="http://schemas.openxmlformats.org/drawingml/2006/main" xmlns:r="http://schemas.openxmlformats.org/officeDocument/2006/relationships" xmlns:p="http://schemas.openxmlformats.org/presentationml/2006/main">
-  <p:cSld>
-    <p:spTree>
-      <p:nvGrpSpPr>
-        <p:cNvPr id="1" name=""/>
-        <p:cNvGrpSpPr/>
-        <p:nvPr/>
-      </p:nvGrpSpPr>
-      <p:grpSpPr>
-        <a:xfrm>
-          <a:off x="0" y="0"/>
-          <a:ext cx="0" cy="0"/>
-          <a:chOff x="0" y="0"/>
-          <a:chExt cx="0" cy="0"/>
-        </a:xfrm>
-      </p:grpSpPr>
-      <p:sp>
-        <p:nvSpPr>
-          <p:cNvPr id="159" name="タイトル 1"/>
-          <p:cNvSpPr txBox="1">
-            <a:spLocks noGrp="1"/>
-          </p:cNvSpPr>
-          <p:nvPr>
-            <p:ph type="title"/>
-          </p:nvPr>
-        </p:nvSpPr>
-        <p:spPr>
-          <a:prstGeom prst="rect">
-            <a:avLst/>
-          </a:prstGeom>
-        </p:spPr>
-        <p:txBody>
-          <a:bodyPr/>
-          <a:lstStyle/>
-          <a:p>
-            <a:r>
-              <a:t>Improvement efficiency</a:t>
-            </a:r>
-          </a:p>
-        </p:txBody>
-      </p:sp>
-      <p:sp>
-        <p:nvSpPr>
-          <p:cNvPr id="160" name="コンテンツ プレースホルダー 2"/>
-          <p:cNvSpPr txBox="1">
-            <a:spLocks noGrp="1"/>
-          </p:cNvSpPr>
-          <p:nvPr>
-            <p:ph type="body" idx="1"/>
-          </p:nvPr>
-        </p:nvSpPr>
-        <p:spPr>
-          <a:prstGeom prst="rect">
-            <a:avLst/>
-          </a:prstGeom>
-        </p:spPr>
-        <p:txBody>
-          <a:bodyPr/>
-          <a:lstStyle/>
-          <a:p>
-            <a:pPr marL="514350" indent="-514350">
-              <a:buFontTx/>
-              <a:buAutoNum type="arabicPeriod"/>
-            </a:pPr>
-            <a:endParaRPr/>
-          </a:p>
-          <a:p>
-            <a:r>
-              <a:t>Recursive function has distance information(start ➜ now position), so if the distance</a:t>
-            </a:r>
-            <a:r>
-              <a:rPr lang="en-US" altLang="ja-JP"/>
-              <a:t> + direct distance(now position </a:t>
-            </a:r>
-            <a:r>
-              <a:rPr lang="ja-JP" altLang="en-US"/>
-              <a:t>➜</a:t>
-            </a:r>
-            <a:r>
-              <a:rPr lang="en-US" altLang="ja-JP"/>
-              <a:t> fin)</a:t>
-            </a:r>
-            <a:r>
-              <a:t> is bigger than roots[K].distance, stop the recursive. ➜ Waste recursive has been minimized.</a:t>
-            </a:r>
-          </a:p>
-          <a:p>
-            <a:r>
-              <a:t>High priority segments and points is going ahead.</a:t>
-            </a:r>
-          </a:p>
-          <a:p>
-            <a:r>
-              <a:t>If goal point have no contacted segments, Do not run recursive func.</a:t>
-            </a:r>
-          </a:p>
-        </p:txBody>
-      </p:sp>
-      <p:sp>
-        <p:nvSpPr>
-          <p:cNvPr id="161" name="スライド番号"/>
-          <p:cNvSpPr txBox="1">
-            <a:spLocks noGrp="1"/>
-          </p:cNvSpPr>
-          <p:nvPr>
-            <p:ph type="sldNum" sz="quarter" idx="4294967295"/>
-          </p:nvPr>
-        </p:nvSpPr>
-        <p:spPr>
-          <a:xfrm>
-            <a:off x="11091380" y="6404291"/>
-            <a:ext cx="262418" cy="269239"/>
-          </a:xfrm>
-          <a:prstGeom prst="rect">
-            <a:avLst/>
-          </a:prstGeom>
-          <a:extLst>
-            <a:ext uri="{C572A759-6A51-4108-AA02-DFA0A04FC94B}">
-              <ma14:wrappingTextBoxFlag xmlns:ma14="http://schemas.microsoft.com/office/mac/drawingml/2011/main" xmlns:a14="http://schemas.microsoft.com/office/drawing/2010/main" xmlns:m="http://schemas.openxmlformats.org/officeDocument/2006/math" xmlns="" val="1"/>
-            </a:ext>
-          </a:extLst>
-        </p:spPr>
-        <p:txBody>
-          <a:bodyPr/>
-          <a:lstStyle/>
-          <a:p>
-            <a:fld id="{86CB4B4D-7CA3-9044-876B-883B54F8677D}" type="slidenum">
-              <a:t>9</a:t>
-            </a:fld>
-            <a:endParaRPr/>
-          </a:p>
-        </p:txBody>
-      </p:sp>
-    </p:spTree>
-  </p:cSld>
-  <p:clrMapOvr>
-    <a:masterClrMapping/>
-  </p:clrMapOvr>
-  <p:transition spd="med"/>
 </p:sld>
 </file>
 

--- a/Reports/final2.pptx
+++ b/Reports/final2.pptx
@@ -3006,7 +3006,14 @@
           </a:p>
           <a:p>
             <a:r>
-              <a:t>High priority segments and points is going ahead.</a:t>
+              <a:t>High priority segment and point </a:t>
+            </a:r>
+            <a:r>
+              <a:rPr lang="en-US"/>
+              <a:t>are</a:t>
+            </a:r>
+            <a:r>
+              <a:t> going ahead.</a:t>
             </a:r>
           </a:p>
           <a:p>
@@ -3713,8 +3720,8 @@
           </a:p>
         </p:txBody>
       </p:sp>
-      <mc:AlternateContent xmlns:mc="http://schemas.openxmlformats.org/markup-compatibility/2006" xmlns:a14="http://schemas.microsoft.com/office/drawing/2010/main">
-        <mc:Choice Requires="a14">
+      <mc:AlternateContent xmlns:mc="http://schemas.openxmlformats.org/markup-compatibility/2006">
+        <mc:Choice xmlns:a14="http://schemas.microsoft.com/office/drawing/2010/main" Requires="a14">
           <p:graphicFrame>
             <p:nvGraphicFramePr>
               <p:cNvPr id="6" name="コンテンツ プレースホルダー 3">
@@ -3730,14 +3737,14 @@
               <p:nvPr>
                 <p:extLst>
                   <p:ext uri="{D42A27DB-BD31-4B8C-83A1-F6EECF244321}">
-                    <p14:modId xmlns:p14="http://schemas.microsoft.com/office/powerpoint/2010/main" val="3796039077"/>
+                    <p14:modId xmlns:p14="http://schemas.microsoft.com/office/powerpoint/2010/main" val="1505399157"/>
                   </p:ext>
                 </p:extLst>
               </p:nvPr>
             </p:nvGraphicFramePr>
             <p:xfrm>
-              <a:off x="838200" y="1518891"/>
-              <a:ext cx="10515600" cy="4878734"/>
+              <a:off x="914401" y="1616148"/>
+              <a:ext cx="9907772" cy="4419968"/>
             </p:xfrm>
             <a:graphic>
               <a:graphicData uri="http://schemas.openxmlformats.org/drawingml/2006/table">
@@ -3746,14 +3753,14 @@
                     <a:tableStyleId>{5C22544A-7EE6-4342-B048-85BDC9FD1C3A}</a:tableStyleId>
                   </a:tblPr>
                   <a:tblGrid>
-                    <a:gridCol w="5257800">
+                    <a:gridCol w="4953886">
                       <a:extLst>
                         <a:ext uri="{9D8B030D-6E8A-4147-A177-3AD203B41FA5}">
                           <a16:colId xmlns:a16="http://schemas.microsoft.com/office/drawing/2014/main" val="203278435"/>
                         </a:ext>
                       </a:extLst>
                     </a:gridCol>
-                    <a:gridCol w="5257800">
+                    <a:gridCol w="4953886">
                       <a:extLst>
                         <a:ext uri="{9D8B030D-6E8A-4147-A177-3AD203B41FA5}">
                           <a16:colId xmlns:a16="http://schemas.microsoft.com/office/drawing/2014/main" val="1499582010"/>
@@ -3761,7 +3768,7 @@
                       </a:extLst>
                     </a:gridCol>
                   </a:tblGrid>
-                  <a:tr h="696962">
+                  <a:tr h="631424">
                     <a:tc>
                       <a:txBody>
                         <a:bodyPr/>
@@ -3794,7 +3801,7 @@
                       </a:ext>
                     </a:extLst>
                   </a:tr>
-                  <a:tr h="696962">
+                  <a:tr h="631424">
                     <a:tc>
                       <a:txBody>
                         <a:bodyPr/>
@@ -3878,7 +3885,7 @@
                       </a:ext>
                     </a:extLst>
                   </a:tr>
-                  <a:tr h="696962">
+                  <a:tr h="631424">
                     <a:tc>
                       <a:txBody>
                         <a:bodyPr/>
@@ -3996,7 +4003,7 @@
                       </a:ext>
                     </a:extLst>
                   </a:tr>
-                  <a:tr h="696962">
+                  <a:tr h="631424">
                     <a:tc>
                       <a:txBody>
                         <a:bodyPr/>
@@ -4088,7 +4095,7 @@
                       </a:ext>
                     </a:extLst>
                   </a:tr>
-                  <a:tr h="696962">
+                  <a:tr h="631424">
                     <a:tc>
                       <a:txBody>
                         <a:bodyPr/>
@@ -4108,11 +4115,45 @@
                         <a:bodyPr/>
                         <a:lstStyle/>
                         <a:p>
-                          <a:r>
-                            <a:rPr kumimoji="1" lang="en-US" altLang="ja-JP" sz="2400"/>
-                            <a:t>??</a:t>
-                          </a:r>
-                          <a:endParaRPr kumimoji="1" lang="ja-JP" altLang="en-US" sz="2400"/>
+                          <a14:m>
+                            <m:oMathPara xmlns:m="http://schemas.openxmlformats.org/officeDocument/2006/math">
+                              <m:oMathParaPr>
+                                <m:jc m:val="centerGroup"/>
+                              </m:oMathParaPr>
+                              <m:oMath xmlns:m="http://schemas.openxmlformats.org/officeDocument/2006/math">
+                                <m:r>
+                                  <a:rPr kumimoji="1" lang="en-US" altLang="ja-JP" sz="2400" b="0" i="1">
+                                    <a:latin typeface="Cambria Math" panose="02040503050406030204" pitchFamily="18" charset="0"/>
+                                  </a:rPr>
+                                  <m:t>𝑂</m:t>
+                                </m:r>
+                                <m:d>
+                                  <m:dPr>
+                                    <m:ctrlPr>
+                                      <a:rPr kumimoji="1" lang="en-US" altLang="ja-JP" sz="2400" b="0" i="1">
+                                        <a:latin typeface="Cambria Math" panose="02040503050406030204" pitchFamily="18" charset="0"/>
+                                      </a:rPr>
+                                    </m:ctrlPr>
+                                  </m:dPr>
+                                  <m:e>
+                                    <m:r>
+                                      <a:rPr kumimoji="1" lang="en-US" altLang="ja-JP" sz="2400" b="0" i="1">
+                                        <a:latin typeface="Cambria Math" panose="02040503050406030204" pitchFamily="18" charset="0"/>
+                                      </a:rPr>
+                                      <m:t>𝑁</m:t>
+                                    </m:r>
+                                    <m:r>
+                                      <a:rPr kumimoji="1" lang="en-US" altLang="ja-JP" sz="2400" b="0" i="1">
+                                        <a:latin typeface="Cambria Math" panose="02040503050406030204" pitchFamily="18" charset="0"/>
+                                      </a:rPr>
+                                      <m:t>!</m:t>
+                                    </m:r>
+                                  </m:e>
+                                </m:d>
+                              </m:oMath>
+                            </m:oMathPara>
+                          </a14:m>
+                          <a:endParaRPr kumimoji="1" lang="en-US" altLang="ja-JP" sz="2400" b="0"/>
                         </a:p>
                       </a:txBody>
                       <a:tcPr anchor="ctr" anchorCtr="1"/>
@@ -4123,7 +4164,7 @@
                       </a:ext>
                     </a:extLst>
                   </a:tr>
-                  <a:tr h="696962">
+                  <a:tr h="631424">
                     <a:tc>
                       <a:txBody>
                         <a:bodyPr/>
@@ -4205,7 +4246,7 @@
                       </a:ext>
                     </a:extLst>
                   </a:tr>
-                  <a:tr h="696962">
+                  <a:tr h="631424">
                     <a:tc>
                       <a:txBody>
                         <a:bodyPr/>
@@ -4225,12 +4266,46 @@
                         <a:bodyPr/>
                         <a:lstStyle/>
                         <a:p>
-                          <a:r>
-                            <a:rPr kumimoji="1" lang="en-US" altLang="ja-JP" sz="2400" b="0">
-                              <a:ea typeface="Cambria Math" panose="02040503050406030204" pitchFamily="18" charset="0"/>
-                            </a:rPr>
-                            <a:t>??</a:t>
-                          </a:r>
+                          <a14:m>
+                            <m:oMathPara xmlns:m="http://schemas.openxmlformats.org/officeDocument/2006/math">
+                              <m:oMathParaPr>
+                                <m:jc m:val="centerGroup"/>
+                              </m:oMathParaPr>
+                              <m:oMath xmlns:m="http://schemas.openxmlformats.org/officeDocument/2006/math">
+                                <m:r>
+                                  <a:rPr kumimoji="1" lang="en-US" altLang="ja-JP" sz="2400" b="0" i="1">
+                                    <a:latin typeface="Cambria Math" panose="02040503050406030204" pitchFamily="18" charset="0"/>
+                                    <a:ea typeface="Cambria Math" panose="02040503050406030204" pitchFamily="18" charset="0"/>
+                                  </a:rPr>
+                                  <m:t>𝑂</m:t>
+                                </m:r>
+                                <m:r>
+                                  <a:rPr kumimoji="1" lang="en-US" altLang="ja-JP" sz="2400" b="0" i="1">
+                                    <a:latin typeface="Cambria Math" panose="02040503050406030204" pitchFamily="18" charset="0"/>
+                                    <a:ea typeface="Cambria Math" panose="02040503050406030204" pitchFamily="18" charset="0"/>
+                                  </a:rPr>
+                                  <m:t>(</m:t>
+                                </m:r>
+                                <m:r>
+                                  <a:rPr kumimoji="1" lang="en-US" altLang="ja-JP" sz="2400" b="0" i="1">
+                                    <a:latin typeface="Cambria Math" panose="02040503050406030204" pitchFamily="18" charset="0"/>
+                                    <a:ea typeface="Cambria Math" panose="02040503050406030204" pitchFamily="18" charset="0"/>
+                                  </a:rPr>
+                                  <m:t>𝑁</m:t>
+                                </m:r>
+                                <m:r>
+                                  <a:rPr kumimoji="1" lang="en-US" altLang="ja-JP" sz="2400" b="0" i="1">
+                                    <a:latin typeface="Cambria Math" panose="02040503050406030204" pitchFamily="18" charset="0"/>
+                                    <a:ea typeface="Cambria Math" panose="02040503050406030204" pitchFamily="18" charset="0"/>
+                                  </a:rPr>
+                                  <m:t>!)</m:t>
+                                </m:r>
+                              </m:oMath>
+                            </m:oMathPara>
+                          </a14:m>
+                          <a:endParaRPr kumimoji="1" lang="en-US" altLang="ja-JP" sz="2400" b="0">
+                            <a:ea typeface="Cambria Math" panose="02040503050406030204" pitchFamily="18" charset="0"/>
+                          </a:endParaRPr>
                         </a:p>
                       </a:txBody>
                       <a:tcPr anchor="ctr" anchorCtr="1"/>
@@ -4246,7 +4321,7 @@
             </a:graphic>
           </p:graphicFrame>
         </mc:Choice>
-        <mc:Fallback xmlns="">
+        <mc:Fallback>
           <p:graphicFrame>
             <p:nvGraphicFramePr>
               <p:cNvPr id="6" name="コンテンツ プレースホルダー 3">
@@ -4262,14 +4337,14 @@
               <p:nvPr>
                 <p:extLst>
                   <p:ext uri="{D42A27DB-BD31-4B8C-83A1-F6EECF244321}">
-                    <p14:modId xmlns:p14="http://schemas.microsoft.com/office/powerpoint/2010/main" val="3796039077"/>
+                    <p14:modId xmlns:p14="http://schemas.microsoft.com/office/powerpoint/2010/main" val="1505399157"/>
                   </p:ext>
                 </p:extLst>
               </p:nvPr>
             </p:nvGraphicFramePr>
             <p:xfrm>
-              <a:off x="838200" y="1518891"/>
-              <a:ext cx="10515600" cy="4878734"/>
+              <a:off x="914401" y="1616148"/>
+              <a:ext cx="9907772" cy="4419968"/>
             </p:xfrm>
             <a:graphic>
               <a:graphicData uri="http://schemas.openxmlformats.org/drawingml/2006/table">
@@ -4278,14 +4353,14 @@
                     <a:tableStyleId>{5C22544A-7EE6-4342-B048-85BDC9FD1C3A}</a:tableStyleId>
                   </a:tblPr>
                   <a:tblGrid>
-                    <a:gridCol w="5257800">
+                    <a:gridCol w="4953886">
                       <a:extLst>
                         <a:ext uri="{9D8B030D-6E8A-4147-A177-3AD203B41FA5}">
                           <a16:colId xmlns:a16="http://schemas.microsoft.com/office/drawing/2014/main" val="203278435"/>
                         </a:ext>
                       </a:extLst>
                     </a:gridCol>
-                    <a:gridCol w="5257800">
+                    <a:gridCol w="4953886">
                       <a:extLst>
                         <a:ext uri="{9D8B030D-6E8A-4147-A177-3AD203B41FA5}">
                           <a16:colId xmlns:a16="http://schemas.microsoft.com/office/drawing/2014/main" val="1499582010"/>
@@ -4293,7 +4368,7 @@
                       </a:extLst>
                     </a:gridCol>
                   </a:tblGrid>
-                  <a:tr h="696962">
+                  <a:tr h="631424">
                     <a:tc>
                       <a:txBody>
                         <a:bodyPr/>
@@ -4326,7 +4401,7 @@
                       </a:ext>
                     </a:extLst>
                   </a:tr>
-                  <a:tr h="696962">
+                  <a:tr h="631424">
                     <a:tc>
                       <a:txBody>
                         <a:bodyPr/>
@@ -4353,7 +4428,7 @@
                         <a:blipFill>
                           <a:blip r:embed="rId2"/>
                           <a:stretch>
-                            <a:fillRect l="-100242" t="-100000" r="-483" b="-501818"/>
+                            <a:fillRect l="-100513" t="-102000" r="-256" b="-506000"/>
                           </a:stretch>
                         </a:blipFill>
                       </a:tcPr>
@@ -4364,7 +4439,7 @@
                       </a:ext>
                     </a:extLst>
                   </a:tr>
-                  <a:tr h="696962">
+                  <a:tr h="631424">
                     <a:tc>
                       <a:txBody>
                         <a:bodyPr/>
@@ -4408,7 +4483,7 @@
                         <a:blipFill>
                           <a:blip r:embed="rId2"/>
                           <a:stretch>
-                            <a:fillRect l="-100242" t="-200000" r="-483" b="-401818"/>
+                            <a:fillRect l="-100513" t="-202000" r="-256" b="-406000"/>
                           </a:stretch>
                         </a:blipFill>
                       </a:tcPr>
@@ -4419,7 +4494,7 @@
                       </a:ext>
                     </a:extLst>
                   </a:tr>
-                  <a:tr h="696962">
+                  <a:tr h="631424">
                     <a:tc>
                       <a:txBody>
                         <a:bodyPr/>
@@ -4463,7 +4538,7 @@
                         <a:blipFill>
                           <a:blip r:embed="rId2"/>
                           <a:stretch>
-                            <a:fillRect l="-100242" t="-300000" r="-483" b="-301818"/>
+                            <a:fillRect l="-100513" t="-308163" r="-256" b="-314286"/>
                           </a:stretch>
                         </a:blipFill>
                       </a:tcPr>
@@ -4474,7 +4549,7 @@
                       </a:ext>
                     </a:extLst>
                   </a:tr>
-                  <a:tr h="696962">
+                  <a:tr h="631424">
                     <a:tc>
                       <a:txBody>
                         <a:bodyPr/>
@@ -4494,14 +4569,17 @@
                         <a:bodyPr/>
                         <a:lstStyle/>
                         <a:p>
-                          <a:r>
-                            <a:rPr kumimoji="1" lang="en-US" altLang="ja-JP" sz="2400"/>
-                            <a:t>??</a:t>
-                          </a:r>
-                          <a:endParaRPr kumimoji="1" lang="ja-JP" altLang="en-US" sz="2400"/>
+                          <a:endParaRPr lang="ja-JP"/>
                         </a:p>
                       </a:txBody>
-                      <a:tcPr anchor="ctr" anchorCtr="1"/>
+                      <a:tcPr anchor="ctr" anchorCtr="1">
+                        <a:blipFill>
+                          <a:blip r:embed="rId2"/>
+                          <a:stretch>
+                            <a:fillRect l="-100513" t="-400000" r="-256" b="-208000"/>
+                          </a:stretch>
+                        </a:blipFill>
+                      </a:tcPr>
                     </a:tc>
                     <a:extLst>
                       <a:ext uri="{0D108BD9-81ED-4DB2-BD59-A6C34878D82A}">
@@ -4509,7 +4587,7 @@
                       </a:ext>
                     </a:extLst>
                   </a:tr>
-                  <a:tr h="696962">
+                  <a:tr h="631424">
                     <a:tc>
                       <a:txBody>
                         <a:bodyPr/>
@@ -4536,7 +4614,7 @@
                         <a:blipFill>
                           <a:blip r:embed="rId2"/>
                           <a:stretch>
-                            <a:fillRect l="-100242" t="-500000" r="-483" b="-101818"/>
+                            <a:fillRect l="-100513" t="-500000" r="-256" b="-108000"/>
                           </a:stretch>
                         </a:blipFill>
                       </a:tcPr>
@@ -4547,7 +4625,7 @@
                       </a:ext>
                     </a:extLst>
                   </a:tr>
-                  <a:tr h="696962">
+                  <a:tr h="631424">
                     <a:tc>
                       <a:txBody>
                         <a:bodyPr/>
@@ -4567,15 +4645,17 @@
                         <a:bodyPr/>
                         <a:lstStyle/>
                         <a:p>
-                          <a:r>
-                            <a:rPr kumimoji="1" lang="en-US" altLang="ja-JP" sz="2400" b="0">
-                              <a:ea typeface="Cambria Math" panose="02040503050406030204" pitchFamily="18" charset="0"/>
-                            </a:rPr>
-                            <a:t>??</a:t>
-                          </a:r>
+                          <a:endParaRPr lang="ja-JP"/>
                         </a:p>
                       </a:txBody>
-                      <a:tcPr anchor="ctr" anchorCtr="1"/>
+                      <a:tcPr anchor="ctr" anchorCtr="1">
+                        <a:blipFill>
+                          <a:blip r:embed="rId2"/>
+                          <a:stretch>
+                            <a:fillRect l="-100513" t="-600000" r="-256" b="-8000"/>
+                          </a:stretch>
+                        </a:blipFill>
+                      </a:tcPr>
                     </a:tc>
                     <a:extLst>
                       <a:ext uri="{0D108BD9-81ED-4DB2-BD59-A6C34878D82A}">
